--- a/project/movieML/presentation.pptx
+++ b/project/movieML/presentation.pptx
@@ -7,11 +7,11 @@
   <p:sldIdLst>
     <p:sldId id="256" r:id="rId2"/>
     <p:sldId id="267" r:id="rId3"/>
-    <p:sldId id="257" r:id="rId4"/>
-    <p:sldId id="277" r:id="rId5"/>
-    <p:sldId id="278" r:id="rId6"/>
-    <p:sldId id="280" r:id="rId7"/>
-    <p:sldId id="258" r:id="rId8"/>
+    <p:sldId id="281" r:id="rId4"/>
+    <p:sldId id="257" r:id="rId5"/>
+    <p:sldId id="277" r:id="rId6"/>
+    <p:sldId id="278" r:id="rId7"/>
+    <p:sldId id="280" r:id="rId8"/>
     <p:sldId id="266" r:id="rId9"/>
     <p:sldId id="279" r:id="rId10"/>
   </p:sldIdLst>
@@ -6800,7 +6800,7 @@
             </a:r>
             <a:r>
               <a:rPr lang="en-US" dirty="0" smtClean="0"/>
-              <a:t> Database</a:t>
+              <a:t>+ Database</a:t>
             </a:r>
             <a:endParaRPr lang="en-US" dirty="0"/>
           </a:p>
@@ -7052,14 +7052,19 @@
             <p:ph type="title"/>
           </p:nvPr>
         </p:nvSpPr>
-        <p:spPr/>
+        <p:spPr>
+          <a:xfrm>
+            <a:off x="457199" y="903060"/>
+            <a:ext cx="6508377" cy="1143000"/>
+          </a:xfrm>
+        </p:spPr>
         <p:txBody>
           <a:bodyPr/>
           <a:lstStyle/>
           <a:p>
             <a:r>
               <a:rPr lang="en-US" dirty="0" smtClean="0"/>
-              <a:t>Data Fusion: sources</a:t>
+              <a:t>3 V’s</a:t>
             </a:r>
             <a:endParaRPr lang="en-US" dirty="0"/>
           </a:p>
@@ -7077,8 +7082,8 @@
         </p:nvSpPr>
         <p:spPr>
           <a:xfrm>
-            <a:off x="457199" y="2209800"/>
-            <a:ext cx="7083660" cy="3916363"/>
+            <a:off x="457198" y="2209800"/>
+            <a:ext cx="8535134" cy="3916363"/>
           </a:xfrm>
         </p:spPr>
         <p:txBody>
@@ -7087,79 +7092,17 @@
           </a:bodyPr>
           <a:lstStyle/>
           <a:p>
-            <a:r>
-              <a:rPr lang="en-US" dirty="0" smtClean="0"/>
-              <a:t>Netflix Challenge User Ratings</a:t>
-            </a:r>
-          </a:p>
-          <a:p>
-            <a:pPr lvl="1"/>
-            <a:r>
-              <a:rPr lang="en-US" dirty="0" smtClean="0"/>
-              <a:t>17,000 Movies</a:t>
-            </a:r>
-          </a:p>
-          <a:p>
-            <a:pPr lvl="1"/>
-            <a:r>
-              <a:rPr lang="en-US" dirty="0" smtClean="0"/>
-              <a:t>100,000,000+ Ratings</a:t>
-            </a:r>
-          </a:p>
-          <a:p>
-            <a:pPr lvl="1"/>
-            <a:r>
-              <a:rPr lang="en-US" dirty="0" smtClean="0"/>
-              <a:t>480,000 Users</a:t>
-            </a:r>
-          </a:p>
-          <a:p>
-            <a:r>
-              <a:rPr lang="en-US" dirty="0" smtClean="0"/>
-              <a:t>The Internet Movie Database</a:t>
-            </a:r>
-          </a:p>
-          <a:p>
-            <a:pPr lvl="1"/>
-            <a:r>
-              <a:rPr lang="en-US" dirty="0" smtClean="0"/>
-              <a:t>359,683 Film Ratings</a:t>
-            </a:r>
-          </a:p>
-          <a:p>
-            <a:r>
-              <a:rPr lang="en-US" dirty="0" err="1" smtClean="0"/>
-              <a:t>iCheckMovies.com</a:t>
-            </a:r>
-            <a:endParaRPr lang="en-US" dirty="0" smtClean="0"/>
-          </a:p>
-          <a:p>
-            <a:pPr lvl="1"/>
-            <a:r>
-              <a:rPr lang="en-US" dirty="0" smtClean="0"/>
-              <a:t>180 Movie Lists</a:t>
-            </a:r>
-          </a:p>
-          <a:p>
-            <a:pPr lvl="1"/>
-            <a:r>
-              <a:rPr lang="en-US" dirty="0" smtClean="0"/>
-              <a:t>2193 entries</a:t>
-            </a:r>
-          </a:p>
-          <a:p>
-            <a:pPr lvl="1"/>
-            <a:endParaRPr lang="en-US" dirty="0" smtClean="0"/>
-          </a:p>
-          <a:p>
-            <a:endParaRPr lang="en-US" dirty="0" smtClean="0"/>
+            <a:endParaRPr lang="en-US" dirty="0" smtClean="0">
+              <a:latin typeface="Consolas"/>
+              <a:cs typeface="Consolas"/>
+            </a:endParaRPr>
           </a:p>
         </p:txBody>
       </p:sp>
     </p:spTree>
     <p:extLst>
       <p:ext uri="{BB962C8B-B14F-4D97-AF65-F5344CB8AC3E}">
-        <p14:creationId xmlns:p14="http://schemas.microsoft.com/office/powerpoint/2010/main" val="3102813633"/>
+        <p14:creationId xmlns:p14="http://schemas.microsoft.com/office/powerpoint/2010/main" val="782189770"/>
       </p:ext>
     </p:extLst>
   </p:cSld>
@@ -7210,14 +7153,7 @@
           <a:p>
             <a:r>
               <a:rPr lang="en-US" dirty="0" smtClean="0"/>
-              <a:t>Web Scraping:</a:t>
-            </a:r>
-            <a:br>
-              <a:rPr lang="en-US" dirty="0" smtClean="0"/>
-            </a:br>
-            <a:r>
-              <a:rPr lang="en-US" dirty="0" err="1" smtClean="0"/>
-              <a:t>iCheckMovies</a:t>
+              <a:t>Data Fusion: sources</a:t>
             </a:r>
             <a:endParaRPr lang="en-US" dirty="0"/>
           </a:p>
@@ -7247,96 +7183,77 @@
           <a:p>
             <a:r>
               <a:rPr lang="en-US" dirty="0" smtClean="0"/>
-              <a:t>Created Python Tool</a:t>
-            </a:r>
-          </a:p>
-          <a:p>
+              <a:t>Netflix Challenge User Ratings</a:t>
+            </a:r>
+          </a:p>
+          <a:p>
+            <a:pPr lvl="1"/>
             <a:r>
               <a:rPr lang="en-US" dirty="0" smtClean="0"/>
-              <a:t>Used Beautiful Soup</a:t>
-            </a:r>
-          </a:p>
-          <a:p>
-            <a:pPr marL="0" indent="0">
-              <a:buNone/>
-            </a:pPr>
+              <a:t>17,000 Movies</a:t>
+            </a:r>
+          </a:p>
+          <a:p>
+            <a:pPr lvl="1"/>
             <a:r>
               <a:rPr lang="en-US" dirty="0" smtClean="0"/>
-              <a:t>	</a:t>
-            </a:r>
-          </a:p>
-          <a:p>
-            <a:endParaRPr lang="en-US" dirty="0"/>
-          </a:p>
-          <a:p>
+              <a:t>100,000,000+ Ratings</a:t>
+            </a:r>
+          </a:p>
+          <a:p>
+            <a:pPr lvl="1"/>
+            <a:r>
+              <a:rPr lang="en-US" dirty="0" smtClean="0"/>
+              <a:t>480,000 Users</a:t>
+            </a:r>
+          </a:p>
+          <a:p>
+            <a:r>
+              <a:rPr lang="en-US" dirty="0" smtClean="0"/>
+              <a:t>The Internet Movie Database</a:t>
+            </a:r>
+          </a:p>
+          <a:p>
+            <a:pPr lvl="1"/>
+            <a:r>
+              <a:rPr lang="en-US" dirty="0" smtClean="0"/>
+              <a:t>359,683 Film Ratings</a:t>
+            </a:r>
+          </a:p>
+          <a:p>
+            <a:r>
+              <a:rPr lang="en-US" dirty="0" err="1" smtClean="0"/>
+              <a:t>iCheckMovies.com</a:t>
+            </a:r>
             <a:endParaRPr lang="en-US" dirty="0" smtClean="0"/>
           </a:p>
-        </p:txBody>
-      </p:sp>
-      <p:pic>
-        <p:nvPicPr>
-          <p:cNvPr id="4" name="Picture 3" descr="Screen Shot 2016-12-08 at 11.07.14 PM.png"/>
-          <p:cNvPicPr>
-            <a:picLocks noChangeAspect="1"/>
-          </p:cNvPicPr>
-          <p:nvPr/>
-        </p:nvPicPr>
-        <p:blipFill>
-          <a:blip r:embed="rId2">
-            <a:extLst>
-              <a:ext uri="{28A0092B-C50C-407E-A947-70E740481C1C}">
-                <a14:useLocalDpi xmlns:a14="http://schemas.microsoft.com/office/drawing/2010/main" val="0"/>
-              </a:ext>
-            </a:extLst>
-          </a:blip>
-          <a:stretch>
-            <a:fillRect/>
-          </a:stretch>
-        </p:blipFill>
-        <p:spPr>
-          <a:xfrm>
-            <a:off x="4328392" y="166511"/>
-            <a:ext cx="4688607" cy="3781778"/>
-          </a:xfrm>
-          <a:prstGeom prst="rect">
-            <a:avLst/>
-          </a:prstGeom>
-        </p:spPr>
-      </p:pic>
-      <p:pic>
-        <p:nvPicPr>
-          <p:cNvPr id="5" name="Picture 4" descr="Screen Shot 2016-12-08 at 11.11.02 PM.png"/>
-          <p:cNvPicPr>
-            <a:picLocks noChangeAspect="1"/>
-          </p:cNvPicPr>
-          <p:nvPr/>
-        </p:nvPicPr>
-        <p:blipFill>
-          <a:blip r:embed="rId3">
-            <a:extLst>
-              <a:ext uri="{28A0092B-C50C-407E-A947-70E740481C1C}">
-                <a14:useLocalDpi xmlns:a14="http://schemas.microsoft.com/office/drawing/2010/main" val="0"/>
-              </a:ext>
-            </a:extLst>
-          </a:blip>
-          <a:stretch>
-            <a:fillRect/>
-          </a:stretch>
-        </p:blipFill>
-        <p:spPr>
-          <a:xfrm>
-            <a:off x="4257837" y="4011431"/>
-            <a:ext cx="4815607" cy="2776013"/>
-          </a:xfrm>
-          <a:prstGeom prst="rect">
-            <a:avLst/>
-          </a:prstGeom>
-        </p:spPr>
-      </p:pic>
+          <a:p>
+            <a:pPr lvl="1"/>
+            <a:r>
+              <a:rPr lang="en-US" dirty="0" smtClean="0"/>
+              <a:t>180 Movie Lists</a:t>
+            </a:r>
+          </a:p>
+          <a:p>
+            <a:pPr lvl="1"/>
+            <a:r>
+              <a:rPr lang="en-US" dirty="0" smtClean="0"/>
+              <a:t>2193 entries</a:t>
+            </a:r>
+          </a:p>
+          <a:p>
+            <a:pPr lvl="1"/>
+            <a:endParaRPr lang="en-US" dirty="0" smtClean="0"/>
+          </a:p>
+          <a:p>
+            <a:endParaRPr lang="en-US" dirty="0" smtClean="0"/>
+          </a:p>
+        </p:txBody>
+      </p:sp>
     </p:spTree>
     <p:extLst>
       <p:ext uri="{BB962C8B-B14F-4D97-AF65-F5344CB8AC3E}">
-        <p14:creationId xmlns:p14="http://schemas.microsoft.com/office/powerpoint/2010/main" val="2718748545"/>
+        <p14:creationId xmlns:p14="http://schemas.microsoft.com/office/powerpoint/2010/main" val="3102813633"/>
       </p:ext>
     </p:extLst>
   </p:cSld>
@@ -7387,7 +7304,14 @@
           <a:p>
             <a:r>
               <a:rPr lang="en-US" dirty="0" smtClean="0"/>
-              <a:t>Schemas</a:t>
+              <a:t>Web Scraping:</a:t>
+            </a:r>
+            <a:br>
+              <a:rPr lang="en-US" dirty="0" smtClean="0"/>
+            </a:br>
+            <a:r>
+              <a:rPr lang="en-US" dirty="0" err="1" smtClean="0"/>
+              <a:t>iCheckMovies</a:t>
             </a:r>
             <a:endParaRPr lang="en-US" dirty="0"/>
           </a:p>
@@ -7417,7 +7341,40 @@
           <a:p>
             <a:r>
               <a:rPr lang="en-US" dirty="0" smtClean="0"/>
-              <a:t>Netflix</a:t>
+              <a:t>Created Python Tool</a:t>
+            </a:r>
+          </a:p>
+          <a:p>
+            <a:r>
+              <a:rPr lang="en-US" dirty="0" smtClean="0"/>
+              <a:t>Used Beautiful Soup</a:t>
+            </a:r>
+          </a:p>
+          <a:p>
+            <a:r>
+              <a:rPr lang="en-US" dirty="0" smtClean="0"/>
+              <a:t>Challenges</a:t>
+            </a:r>
+          </a:p>
+          <a:p>
+            <a:pPr lvl="1"/>
+            <a:r>
+              <a:rPr lang="en-US" dirty="0" smtClean="0"/>
+              <a:t>Grapping English Titles</a:t>
+            </a:r>
+          </a:p>
+          <a:p>
+            <a:pPr lvl="1"/>
+            <a:r>
+              <a:rPr lang="en-US" dirty="0" smtClean="0"/>
+              <a:t>Largest Bottleneck</a:t>
+            </a:r>
+          </a:p>
+          <a:p>
+            <a:pPr lvl="2"/>
+            <a:r>
+              <a:rPr lang="en-US" dirty="0" smtClean="0"/>
+              <a:t>Slow: 23+ Minutes </a:t>
             </a:r>
           </a:p>
           <a:p>
@@ -7425,24 +7382,86 @@
             <a:endParaRPr lang="en-US" dirty="0" smtClean="0"/>
           </a:p>
           <a:p>
+            <a:pPr marL="0" indent="0">
+              <a:buNone/>
+            </a:pPr>
             <a:r>
               <a:rPr lang="en-US" dirty="0" smtClean="0"/>
-              <a:t>IMDB</a:t>
-            </a:r>
-          </a:p>
-          <a:p>
-            <a:r>
-              <a:rPr lang="en-US" dirty="0" err="1" smtClean="0"/>
-              <a:t>iCheckMovies</a:t>
-            </a:r>
+              <a:t>	</a:t>
+            </a:r>
+          </a:p>
+          <a:p>
+            <a:endParaRPr lang="en-US" dirty="0"/>
+          </a:p>
+          <a:p>
             <a:endParaRPr lang="en-US" dirty="0" smtClean="0"/>
           </a:p>
         </p:txBody>
       </p:sp>
+      <p:pic>
+        <p:nvPicPr>
+          <p:cNvPr id="4" name="Picture 3" descr="Screen Shot 2016-12-08 at 11.07.14 PM.png"/>
+          <p:cNvPicPr>
+            <a:picLocks noChangeAspect="1"/>
+          </p:cNvPicPr>
+          <p:nvPr/>
+        </p:nvPicPr>
+        <p:blipFill>
+          <a:blip r:embed="rId2">
+            <a:extLst>
+              <a:ext uri="{28A0092B-C50C-407E-A947-70E740481C1C}">
+                <a14:useLocalDpi xmlns:a14="http://schemas.microsoft.com/office/drawing/2010/main" val="0"/>
+              </a:ext>
+            </a:extLst>
+          </a:blip>
+          <a:stretch>
+            <a:fillRect/>
+          </a:stretch>
+        </p:blipFill>
+        <p:spPr>
+          <a:xfrm>
+            <a:off x="4328392" y="166511"/>
+            <a:ext cx="4688607" cy="3781778"/>
+          </a:xfrm>
+          <a:prstGeom prst="rect">
+            <a:avLst/>
+          </a:prstGeom>
+        </p:spPr>
+      </p:pic>
+      <p:pic>
+        <p:nvPicPr>
+          <p:cNvPr id="5" name="Picture 4" descr="Screen Shot 2016-12-08 at 11.11.02 PM.png"/>
+          <p:cNvPicPr>
+            <a:picLocks noChangeAspect="1"/>
+          </p:cNvPicPr>
+          <p:nvPr/>
+        </p:nvPicPr>
+        <p:blipFill>
+          <a:blip r:embed="rId3">
+            <a:extLst>
+              <a:ext uri="{28A0092B-C50C-407E-A947-70E740481C1C}">
+                <a14:useLocalDpi xmlns:a14="http://schemas.microsoft.com/office/drawing/2010/main" val="0"/>
+              </a:ext>
+            </a:extLst>
+          </a:blip>
+          <a:stretch>
+            <a:fillRect/>
+          </a:stretch>
+        </p:blipFill>
+        <p:spPr>
+          <a:xfrm>
+            <a:off x="4257837" y="4011431"/>
+            <a:ext cx="4815607" cy="2776013"/>
+          </a:xfrm>
+          <a:prstGeom prst="rect">
+            <a:avLst/>
+          </a:prstGeom>
+        </p:spPr>
+      </p:pic>
     </p:spTree>
     <p:extLst>
       <p:ext uri="{BB962C8B-B14F-4D97-AF65-F5344CB8AC3E}">
-        <p14:creationId xmlns:p14="http://schemas.microsoft.com/office/powerpoint/2010/main" val="2054481542"/>
+        <p14:creationId xmlns:p14="http://schemas.microsoft.com/office/powerpoint/2010/main" val="2718748545"/>
       </p:ext>
     </p:extLst>
   </p:cSld>
@@ -7493,7 +7512,7 @@
           <a:p>
             <a:r>
               <a:rPr lang="en-US" dirty="0" smtClean="0"/>
-              <a:t>Timing</a:t>
+              <a:t>Schemas</a:t>
             </a:r>
             <a:endParaRPr lang="en-US" dirty="0"/>
           </a:p>
@@ -7523,16 +7542,65 @@
           <a:p>
             <a:r>
               <a:rPr lang="en-US" dirty="0" smtClean="0"/>
-              <a:t>Graph of schemas and transition</a:t>
+              <a:t>Netflix</a:t>
+            </a:r>
+          </a:p>
+          <a:p>
+            <a:pPr lvl="1"/>
+            <a:r>
+              <a:rPr lang="en-US" i="1" dirty="0" smtClean="0"/>
+              <a:t>Movies(ID, Year, Title)</a:t>
+            </a:r>
+          </a:p>
+          <a:p>
+            <a:pPr lvl="1"/>
+            <a:r>
+              <a:rPr lang="en-US" i="1" dirty="0" smtClean="0"/>
+              <a:t>In mv_*ID*.txt: Ratings(User, Rating, Date)</a:t>
+            </a:r>
+          </a:p>
+          <a:p>
+            <a:r>
+              <a:rPr lang="en-US" dirty="0" smtClean="0"/>
+              <a:t>IMDB</a:t>
+            </a:r>
+          </a:p>
+          <a:p>
+            <a:pPr lvl="1"/>
+            <a:r>
+              <a:rPr lang="en-US" i="1" dirty="0" smtClean="0"/>
+              <a:t>Ratings(Distribution, Votes, Rank, Title, Year)</a:t>
+            </a:r>
+          </a:p>
+          <a:p>
+            <a:r>
+              <a:rPr lang="en-US" dirty="0" err="1" smtClean="0"/>
+              <a:t>iCheckMovies</a:t>
             </a:r>
             <a:endParaRPr lang="en-US" dirty="0" smtClean="0"/>
+          </a:p>
+          <a:p>
+            <a:pPr lvl="1"/>
+            <a:r>
+              <a:rPr lang="en-US" i="1" dirty="0" smtClean="0"/>
+              <a:t>List(</a:t>
+            </a:r>
+            <a:r>
+              <a:rPr lang="en-US" i="1" dirty="0" err="1" smtClean="0"/>
+              <a:t>NumOfLists</a:t>
+            </a:r>
+            <a:r>
+              <a:rPr lang="en-US" i="1" dirty="0" smtClean="0"/>
+              <a:t>, Year, Title)</a:t>
+            </a:r>
+            <a:endParaRPr lang="en-US" i="1" dirty="0" smtClean="0"/>
           </a:p>
         </p:txBody>
       </p:sp>
     </p:spTree>
     <p:extLst>
       <p:ext uri="{BB962C8B-B14F-4D97-AF65-F5344CB8AC3E}">
-        <p14:creationId xmlns:p14="http://schemas.microsoft.com/office/powerpoint/2010/main" val="926548312"/>
+        <p14:creationId xmlns:p14="http://schemas.microsoft.com/office/powerpoint/2010/main" val="2054481542"/>
       </p:ext>
     </p:extLst>
   </p:cSld>
@@ -7578,8 +7646,8 @@
         </p:nvSpPr>
         <p:spPr>
           <a:xfrm>
-            <a:off x="457199" y="248330"/>
-            <a:ext cx="6508377" cy="1143000"/>
+            <a:off x="457199" y="57857"/>
+            <a:ext cx="6508377" cy="730956"/>
           </a:xfrm>
         </p:spPr>
         <p:txBody>
@@ -7588,7 +7656,7 @@
           <a:p>
             <a:r>
               <a:rPr lang="en-US" dirty="0" smtClean="0"/>
-              <a:t>Wrapper Architecture</a:t>
+              <a:t>Distributed Databases</a:t>
             </a:r>
             <a:endParaRPr lang="en-US" dirty="0"/>
           </a:p>
@@ -7606,20 +7674,33 @@
         </p:nvSpPr>
         <p:spPr>
           <a:xfrm>
-            <a:off x="457199" y="1391330"/>
-            <a:ext cx="6508377" cy="4734833"/>
-          </a:xfrm>
-        </p:spPr>
-        <p:txBody>
-          <a:bodyPr/>
-          <a:lstStyle/>
-          <a:p>
-            <a:pPr marL="0" indent="0">
-              <a:buNone/>
-            </a:pPr>
-            <a:r>
-              <a:rPr lang="en-US" dirty="0"/>
-              <a:t> </a:t>
+            <a:off x="457199" y="788813"/>
+            <a:ext cx="7083660" cy="1254478"/>
+          </a:xfrm>
+        </p:spPr>
+        <p:txBody>
+          <a:bodyPr>
+            <a:normAutofit/>
+          </a:bodyPr>
+          <a:lstStyle/>
+          <a:p>
+            <a:r>
+              <a:rPr lang="en-US" dirty="0" smtClean="0"/>
+              <a:t>Lack of Resources</a:t>
+            </a:r>
+          </a:p>
+          <a:p>
+            <a:pPr lvl="1"/>
+            <a:r>
+              <a:rPr lang="en-US" dirty="0" smtClean="0"/>
+              <a:t>Laptop lacked memory &amp; R</a:t>
+            </a:r>
+          </a:p>
+          <a:p>
+            <a:pPr lvl="1"/>
+            <a:r>
+              <a:rPr lang="en-US" dirty="0" smtClean="0"/>
+              <a:t>“Frankenstein” lacked Python packages</a:t>
             </a:r>
             <a:endParaRPr lang="en-US" dirty="0" smtClean="0"/>
           </a:p>
@@ -7627,32 +7708,447 @@
       </p:sp>
       <p:pic>
         <p:nvPicPr>
-          <p:cNvPr id="37" name="Picture 36"/>
+          <p:cNvPr id="4" name="Picture 3" descr="Screen Shot 2016-12-08 at 11.32.31 PM.png"/>
           <p:cNvPicPr>
             <a:picLocks noChangeAspect="1"/>
           </p:cNvPicPr>
           <p:nvPr/>
         </p:nvPicPr>
         <p:blipFill>
-          <a:blip r:embed="rId2"/>
+          <a:blip r:embed="rId2">
+            <a:extLst>
+              <a:ext uri="{28A0092B-C50C-407E-A947-70E740481C1C}">
+                <a14:useLocalDpi xmlns:a14="http://schemas.microsoft.com/office/drawing/2010/main" val="0"/>
+              </a:ext>
+            </a:extLst>
+          </a:blip>
           <a:stretch>
             <a:fillRect/>
           </a:stretch>
         </p:blipFill>
         <p:spPr>
           <a:xfrm>
-            <a:off x="569663" y="1637917"/>
-            <a:ext cx="5633113" cy="4488246"/>
+            <a:off x="5633171" y="2043292"/>
+            <a:ext cx="2020576" cy="1359930"/>
           </a:xfrm>
           <a:prstGeom prst="rect">
             <a:avLst/>
           </a:prstGeom>
         </p:spPr>
       </p:pic>
+      <p:pic>
+        <p:nvPicPr>
+          <p:cNvPr id="5" name="Picture 4" descr="Screen Shot 2016-12-08 at 11.34.14 PM.png"/>
+          <p:cNvPicPr>
+            <a:picLocks noChangeAspect="1"/>
+          </p:cNvPicPr>
+          <p:nvPr/>
+        </p:nvPicPr>
+        <p:blipFill>
+          <a:blip r:embed="rId3">
+            <a:extLst>
+              <a:ext uri="{28A0092B-C50C-407E-A947-70E740481C1C}">
+                <a14:useLocalDpi xmlns:a14="http://schemas.microsoft.com/office/drawing/2010/main" val="0"/>
+              </a:ext>
+            </a:extLst>
+          </a:blip>
+          <a:stretch>
+            <a:fillRect/>
+          </a:stretch>
+        </p:blipFill>
+        <p:spPr>
+          <a:xfrm>
+            <a:off x="1128886" y="2043291"/>
+            <a:ext cx="1908527" cy="1368777"/>
+          </a:xfrm>
+          <a:prstGeom prst="rect">
+            <a:avLst/>
+          </a:prstGeom>
+        </p:spPr>
+      </p:pic>
+      <p:cxnSp>
+        <p:nvCxnSpPr>
+          <p:cNvPr id="7" name="Straight Arrow Connector 6"/>
+          <p:cNvCxnSpPr/>
+          <p:nvPr/>
+        </p:nvCxnSpPr>
+        <p:spPr>
+          <a:xfrm>
+            <a:off x="2144889" y="4145888"/>
+            <a:ext cx="3245555" cy="1512668"/>
+          </a:xfrm>
+          <a:prstGeom prst="straightConnector1">
+            <a:avLst/>
+          </a:prstGeom>
+          <a:ln>
+            <a:tailEnd type="arrow"/>
+          </a:ln>
+        </p:spPr>
+        <p:style>
+          <a:lnRef idx="2">
+            <a:schemeClr val="accent1"/>
+          </a:lnRef>
+          <a:fillRef idx="0">
+            <a:schemeClr val="accent1"/>
+          </a:fillRef>
+          <a:effectRef idx="1">
+            <a:schemeClr val="accent1"/>
+          </a:effectRef>
+          <a:fontRef idx="minor">
+            <a:schemeClr val="tx1"/>
+          </a:fontRef>
+        </p:style>
+      </p:cxnSp>
+      <p:sp>
+        <p:nvSpPr>
+          <p:cNvPr id="8" name="TextBox 7"/>
+          <p:cNvSpPr txBox="1"/>
+          <p:nvPr/>
+        </p:nvSpPr>
+        <p:spPr>
+          <a:xfrm>
+            <a:off x="361411" y="3456001"/>
+            <a:ext cx="3820953" cy="646331"/>
+          </a:xfrm>
+          <a:prstGeom prst="rect">
+            <a:avLst/>
+          </a:prstGeom>
+          <a:noFill/>
+        </p:spPr>
+        <p:txBody>
+          <a:bodyPr wrap="none" rtlCol="0">
+            <a:spAutoFit/>
+          </a:bodyPr>
+          <a:lstStyle/>
+          <a:p>
+            <a:pPr algn="ctr"/>
+            <a:r>
+              <a:rPr lang="en-US" dirty="0" smtClean="0"/>
+              <a:t>Web Scraping: </a:t>
+            </a:r>
+            <a:r>
+              <a:rPr lang="en-US" dirty="0" err="1" smtClean="0"/>
+              <a:t>iCheckMovies</a:t>
+            </a:r>
+            <a:r>
+              <a:rPr lang="en-US" dirty="0" smtClean="0"/>
+              <a:t> DB</a:t>
+            </a:r>
+          </a:p>
+          <a:p>
+            <a:pPr algn="ctr"/>
+            <a:r>
+              <a:rPr lang="en-US" dirty="0" smtClean="0"/>
+              <a:t>Slow: 23  Minutes</a:t>
+            </a:r>
+            <a:endParaRPr lang="en-US" dirty="0"/>
+          </a:p>
+        </p:txBody>
+      </p:sp>
+      <p:sp>
+        <p:nvSpPr>
+          <p:cNvPr id="10" name="TextBox 9"/>
+          <p:cNvSpPr txBox="1"/>
+          <p:nvPr/>
+        </p:nvSpPr>
+        <p:spPr>
+          <a:xfrm>
+            <a:off x="4985111" y="3456001"/>
+            <a:ext cx="3439244" cy="369332"/>
+          </a:xfrm>
+          <a:prstGeom prst="rect">
+            <a:avLst/>
+          </a:prstGeom>
+          <a:noFill/>
+        </p:spPr>
+        <p:txBody>
+          <a:bodyPr wrap="square" rtlCol="0">
+            <a:spAutoFit/>
+          </a:bodyPr>
+          <a:lstStyle/>
+          <a:p>
+            <a:pPr algn="ctr"/>
+            <a:r>
+              <a:rPr lang="en-US" dirty="0" smtClean="0"/>
+              <a:t>Netflix + IMDB: big datasets</a:t>
+            </a:r>
+            <a:endParaRPr lang="en-US" dirty="0"/>
+          </a:p>
+        </p:txBody>
+      </p:sp>
+      <p:cxnSp>
+        <p:nvCxnSpPr>
+          <p:cNvPr id="15" name="Straight Arrow Connector 14"/>
+          <p:cNvCxnSpPr/>
+          <p:nvPr/>
+        </p:nvCxnSpPr>
+        <p:spPr>
+          <a:xfrm>
+            <a:off x="5903969" y="3825333"/>
+            <a:ext cx="0" cy="320555"/>
+          </a:xfrm>
+          <a:prstGeom prst="straightConnector1">
+            <a:avLst/>
+          </a:prstGeom>
+          <a:ln>
+            <a:tailEnd type="arrow"/>
+          </a:ln>
+        </p:spPr>
+        <p:style>
+          <a:lnRef idx="2">
+            <a:schemeClr val="accent1"/>
+          </a:lnRef>
+          <a:fillRef idx="0">
+            <a:schemeClr val="accent1"/>
+          </a:fillRef>
+          <a:effectRef idx="1">
+            <a:schemeClr val="accent1"/>
+          </a:effectRef>
+          <a:fontRef idx="minor">
+            <a:schemeClr val="tx1"/>
+          </a:fontRef>
+        </p:style>
+      </p:cxnSp>
+      <p:sp>
+        <p:nvSpPr>
+          <p:cNvPr id="21" name="TextBox 20"/>
+          <p:cNvSpPr txBox="1"/>
+          <p:nvPr/>
+        </p:nvSpPr>
+        <p:spPr>
+          <a:xfrm>
+            <a:off x="5078364" y="4075799"/>
+            <a:ext cx="3685624" cy="1200329"/>
+          </a:xfrm>
+          <a:prstGeom prst="rect">
+            <a:avLst/>
+          </a:prstGeom>
+          <a:noFill/>
+        </p:spPr>
+        <p:txBody>
+          <a:bodyPr wrap="none" rtlCol="0">
+            <a:spAutoFit/>
+          </a:bodyPr>
+          <a:lstStyle/>
+          <a:p>
+            <a:r>
+              <a:rPr lang="en-US" dirty="0" smtClean="0"/>
+              <a:t>DB Cleaning in R and Python</a:t>
+            </a:r>
+          </a:p>
+          <a:p>
+            <a:pPr marL="285750" indent="-285750">
+              <a:buFont typeface="Arial"/>
+              <a:buChar char="•"/>
+            </a:pPr>
+            <a:r>
+              <a:rPr lang="en-US" dirty="0" smtClean="0"/>
+              <a:t>Netflix: getting </a:t>
+            </a:r>
+            <a:r>
+              <a:rPr lang="en-US" dirty="0" err="1" smtClean="0"/>
+              <a:t>avgs</a:t>
+            </a:r>
+            <a:r>
+              <a:rPr lang="en-US" dirty="0"/>
+              <a:t> </a:t>
+            </a:r>
+            <a:r>
+              <a:rPr lang="en-US" dirty="0" smtClean="0"/>
+              <a:t>~8 min</a:t>
+            </a:r>
+          </a:p>
+          <a:p>
+            <a:pPr marL="285750" indent="-285750">
+              <a:buFont typeface="Arial"/>
+              <a:buChar char="•"/>
+            </a:pPr>
+            <a:r>
+              <a:rPr lang="en-US" dirty="0" smtClean="0"/>
+              <a:t>Netflix: cleaning titles ~2 min</a:t>
+            </a:r>
+          </a:p>
+          <a:p>
+            <a:pPr marL="285750" indent="-285750">
+              <a:buFont typeface="Arial"/>
+              <a:buChar char="•"/>
+            </a:pPr>
+            <a:r>
+              <a:rPr lang="en-US" dirty="0" smtClean="0"/>
+              <a:t>IMDB: cleaning titles ~1.5 min</a:t>
+            </a:r>
+          </a:p>
+        </p:txBody>
+      </p:sp>
+      <p:cxnSp>
+        <p:nvCxnSpPr>
+          <p:cNvPr id="23" name="Straight Arrow Connector 22"/>
+          <p:cNvCxnSpPr/>
+          <p:nvPr/>
+        </p:nvCxnSpPr>
+        <p:spPr>
+          <a:xfrm>
+            <a:off x="7396924" y="3825333"/>
+            <a:ext cx="0" cy="320555"/>
+          </a:xfrm>
+          <a:prstGeom prst="straightConnector1">
+            <a:avLst/>
+          </a:prstGeom>
+          <a:ln>
+            <a:tailEnd type="arrow"/>
+          </a:ln>
+        </p:spPr>
+        <p:style>
+          <a:lnRef idx="2">
+            <a:schemeClr val="accent1"/>
+          </a:lnRef>
+          <a:fillRef idx="0">
+            <a:schemeClr val="accent1"/>
+          </a:fillRef>
+          <a:effectRef idx="1">
+            <a:schemeClr val="accent1"/>
+          </a:effectRef>
+          <a:fontRef idx="minor">
+            <a:schemeClr val="tx1"/>
+          </a:fontRef>
+        </p:style>
+      </p:cxnSp>
+      <p:cxnSp>
+        <p:nvCxnSpPr>
+          <p:cNvPr id="26" name="Straight Arrow Connector 25"/>
+          <p:cNvCxnSpPr/>
+          <p:nvPr/>
+        </p:nvCxnSpPr>
+        <p:spPr>
+          <a:xfrm>
+            <a:off x="6761924" y="5270729"/>
+            <a:ext cx="0" cy="320555"/>
+          </a:xfrm>
+          <a:prstGeom prst="straightConnector1">
+            <a:avLst/>
+          </a:prstGeom>
+          <a:ln>
+            <a:tailEnd type="arrow"/>
+          </a:ln>
+        </p:spPr>
+        <p:style>
+          <a:lnRef idx="2">
+            <a:schemeClr val="accent1"/>
+          </a:lnRef>
+          <a:fillRef idx="0">
+            <a:schemeClr val="accent1"/>
+          </a:fillRef>
+          <a:effectRef idx="1">
+            <a:schemeClr val="accent1"/>
+          </a:effectRef>
+          <a:fontRef idx="minor">
+            <a:schemeClr val="tx1"/>
+          </a:fontRef>
+        </p:style>
+      </p:cxnSp>
+      <p:sp>
+        <p:nvSpPr>
+          <p:cNvPr id="28" name="TextBox 27"/>
+          <p:cNvSpPr txBox="1"/>
+          <p:nvPr/>
+        </p:nvSpPr>
+        <p:spPr>
+          <a:xfrm>
+            <a:off x="5563444" y="5658556"/>
+            <a:ext cx="2396960" cy="646331"/>
+          </a:xfrm>
+          <a:prstGeom prst="rect">
+            <a:avLst/>
+          </a:prstGeom>
+          <a:noFill/>
+        </p:spPr>
+        <p:txBody>
+          <a:bodyPr wrap="none" rtlCol="0">
+            <a:spAutoFit/>
+          </a:bodyPr>
+          <a:lstStyle/>
+          <a:p>
+            <a:pPr algn="ctr"/>
+            <a:r>
+              <a:rPr lang="en-US" dirty="0" smtClean="0"/>
+              <a:t>Merge All Data in R:</a:t>
+            </a:r>
+          </a:p>
+          <a:p>
+            <a:pPr algn="ctr"/>
+            <a:r>
+              <a:rPr lang="en-US" dirty="0" smtClean="0"/>
+              <a:t>Quick</a:t>
+            </a:r>
+          </a:p>
+        </p:txBody>
+      </p:sp>
+      <p:cxnSp>
+        <p:nvCxnSpPr>
+          <p:cNvPr id="31" name="Straight Arrow Connector 30"/>
+          <p:cNvCxnSpPr/>
+          <p:nvPr/>
+        </p:nvCxnSpPr>
+        <p:spPr>
+          <a:xfrm flipH="1">
+            <a:off x="2046114" y="6025444"/>
+            <a:ext cx="3344330" cy="297555"/>
+          </a:xfrm>
+          <a:prstGeom prst="straightConnector1">
+            <a:avLst/>
+          </a:prstGeom>
+          <a:ln>
+            <a:tailEnd type="arrow"/>
+          </a:ln>
+        </p:spPr>
+        <p:style>
+          <a:lnRef idx="2">
+            <a:schemeClr val="accent1"/>
+          </a:lnRef>
+          <a:fillRef idx="0">
+            <a:schemeClr val="accent1"/>
+          </a:fillRef>
+          <a:effectRef idx="1">
+            <a:schemeClr val="accent1"/>
+          </a:effectRef>
+          <a:fontRef idx="minor">
+            <a:schemeClr val="tx1"/>
+          </a:fontRef>
+        </p:style>
+      </p:cxnSp>
+      <p:sp>
+        <p:nvSpPr>
+          <p:cNvPr id="32" name="TextBox 31"/>
+          <p:cNvSpPr txBox="1"/>
+          <p:nvPr/>
+        </p:nvSpPr>
+        <p:spPr>
+          <a:xfrm>
+            <a:off x="216443" y="6322999"/>
+            <a:ext cx="4237421" cy="369332"/>
+          </a:xfrm>
+          <a:prstGeom prst="rect">
+            <a:avLst/>
+          </a:prstGeom>
+          <a:noFill/>
+        </p:spPr>
+        <p:txBody>
+          <a:bodyPr wrap="none" rtlCol="0">
+            <a:spAutoFit/>
+          </a:bodyPr>
+          <a:lstStyle/>
+          <a:p>
+            <a:r>
+              <a:rPr lang="en-US" dirty="0" smtClean="0"/>
+              <a:t>Neural Network Processing in Python</a:t>
+            </a:r>
+          </a:p>
+        </p:txBody>
+      </p:sp>
     </p:spTree>
     <p:extLst>
       <p:ext uri="{BB962C8B-B14F-4D97-AF65-F5344CB8AC3E}">
-        <p14:creationId xmlns:p14="http://schemas.microsoft.com/office/powerpoint/2010/main" val="1331647708"/>
+        <p14:creationId xmlns:p14="http://schemas.microsoft.com/office/powerpoint/2010/main" val="926548312"/>
       </p:ext>
     </p:extLst>
   </p:cSld>

--- a/project/movieML/presentation.pptx
+++ b/project/movieML/presentation.pptx
@@ -13,7 +13,8 @@
     <p:sldId id="278" r:id="rId7"/>
     <p:sldId id="280" r:id="rId8"/>
     <p:sldId id="266" r:id="rId9"/>
-    <p:sldId id="279" r:id="rId10"/>
+    <p:sldId id="282" r:id="rId10"/>
+    <p:sldId id="279" r:id="rId11"/>
   </p:sldIdLst>
   <p:sldSz cx="9144000" cy="6858000" type="screen4x3"/>
   <p:notesSz cx="6858000" cy="9144000"/>
@@ -6800,7 +6801,7 @@
             </a:r>
             <a:r>
               <a:rPr lang="en-US" dirty="0" smtClean="0"/>
-              <a:t>+ Database</a:t>
+              <a:t>+… Database</a:t>
             </a:r>
             <a:endParaRPr lang="en-US" dirty="0"/>
           </a:p>
@@ -6844,6 +6845,92 @@
     <p:extLst>
       <p:ext uri="{BB962C8B-B14F-4D97-AF65-F5344CB8AC3E}">
         <p14:creationId xmlns:p14="http://schemas.microsoft.com/office/powerpoint/2010/main" val="2989116606"/>
+      </p:ext>
+    </p:extLst>
+  </p:cSld>
+  <p:clrMapOvr>
+    <a:masterClrMapping/>
+  </p:clrMapOvr>
+  <p:timing>
+    <p:tnLst>
+      <p:par>
+        <p:cTn xmlns:p14="http://schemas.microsoft.com/office/powerpoint/2010/main" id="1" dur="indefinite" restart="never" nodeType="tmRoot"/>
+      </p:par>
+    </p:tnLst>
+  </p:timing>
+</p:sld>
+</file>
+
+<file path=ppt/slides/slide10.xml><?xml version="1.0" encoding="utf-8"?>
+<p:sld xmlns:a="http://schemas.openxmlformats.org/drawingml/2006/main" xmlns:r="http://schemas.openxmlformats.org/officeDocument/2006/relationships" xmlns:p="http://schemas.openxmlformats.org/presentationml/2006/main">
+  <p:cSld>
+    <p:spTree>
+      <p:nvGrpSpPr>
+        <p:cNvPr id="1" name=""/>
+        <p:cNvGrpSpPr/>
+        <p:nvPr/>
+      </p:nvGrpSpPr>
+      <p:grpSpPr>
+        <a:xfrm>
+          <a:off x="0" y="0"/>
+          <a:ext cx="0" cy="0"/>
+          <a:chOff x="0" y="0"/>
+          <a:chExt cx="0" cy="0"/>
+        </a:xfrm>
+      </p:grpSpPr>
+      <p:sp>
+        <p:nvSpPr>
+          <p:cNvPr id="2" name="Title 1"/>
+          <p:cNvSpPr>
+            <a:spLocks noGrp="1"/>
+          </p:cNvSpPr>
+          <p:nvPr>
+            <p:ph type="title"/>
+          </p:nvPr>
+        </p:nvSpPr>
+        <p:spPr/>
+        <p:txBody>
+          <a:bodyPr/>
+          <a:lstStyle/>
+          <a:p>
+            <a:r>
+              <a:rPr lang="en-US" dirty="0" smtClean="0"/>
+              <a:t>Thanks to</a:t>
+            </a:r>
+            <a:endParaRPr lang="en-US" dirty="0"/>
+          </a:p>
+        </p:txBody>
+      </p:sp>
+      <p:sp>
+        <p:nvSpPr>
+          <p:cNvPr id="3" name="Content Placeholder 2"/>
+          <p:cNvSpPr>
+            <a:spLocks noGrp="1"/>
+          </p:cNvSpPr>
+          <p:nvPr>
+            <p:ph idx="1"/>
+          </p:nvPr>
+        </p:nvSpPr>
+        <p:spPr/>
+        <p:txBody>
+          <a:bodyPr/>
+          <a:lstStyle/>
+          <a:p>
+            <a:pPr marL="0" indent="0">
+              <a:buNone/>
+            </a:pPr>
+            <a:r>
+              <a:rPr lang="en-US" dirty="0" smtClean="0"/>
+              <a:t>u</a:t>
+            </a:r>
+            <a:endParaRPr lang="en-US" dirty="0"/>
+          </a:p>
+        </p:txBody>
+      </p:sp>
+    </p:spTree>
+    <p:extLst>
+      <p:ext uri="{BB962C8B-B14F-4D97-AF65-F5344CB8AC3E}">
+        <p14:creationId xmlns:p14="http://schemas.microsoft.com/office/powerpoint/2010/main" val="2535458016"/>
       </p:ext>
     </p:extLst>
   </p:cSld>
@@ -6963,14 +7050,21 @@
                 <a:latin typeface="Consolas"/>
                 <a:cs typeface="Consolas"/>
               </a:rPr>
-              <a:t>Global Box Office: </a:t>
+              <a:t>Global Box Office: ***</a:t>
             </a:r>
             <a:r>
               <a:rPr lang="en-US" u="sng" dirty="0" smtClean="0">
                 <a:latin typeface="Consolas"/>
                 <a:cs typeface="Consolas"/>
               </a:rPr>
-              <a:t>$38 Billion</a:t>
+              <a:t>$$38 Billion$$</a:t>
+            </a:r>
+            <a:r>
+              <a:rPr lang="en-US" dirty="0" smtClean="0">
+                <a:latin typeface="Consolas"/>
+                <a:cs typeface="Consolas"/>
+              </a:rPr>
+              <a:t>***</a:t>
             </a:r>
           </a:p>
           <a:p>
@@ -7092,6 +7186,85 @@
           </a:bodyPr>
           <a:lstStyle/>
           <a:p>
+            <a:r>
+              <a:rPr lang="en-US" dirty="0" smtClean="0">
+                <a:latin typeface="Consolas"/>
+                <a:cs typeface="Consolas"/>
+              </a:rPr>
+              <a:t>Velocity: Netflix databases </a:t>
+            </a:r>
+            <a:r>
+              <a:rPr lang="en-US" dirty="0" smtClean="0">
+                <a:latin typeface="Consolas"/>
+                <a:cs typeface="Consolas"/>
+              </a:rPr>
+              <a:t>constantly </a:t>
+            </a:r>
+            <a:r>
+              <a:rPr lang="en-US" dirty="0" smtClean="0">
+                <a:latin typeface="Consolas"/>
+                <a:cs typeface="Consolas"/>
+              </a:rPr>
+              <a:t>changing</a:t>
+            </a:r>
+          </a:p>
+          <a:p>
+            <a:r>
+              <a:rPr lang="en-US" dirty="0" smtClean="0">
+                <a:latin typeface="Consolas"/>
+                <a:cs typeface="Consolas"/>
+              </a:rPr>
+              <a:t>Volume: Netflix has 81.5+ million users, see next slide</a:t>
+            </a:r>
+          </a:p>
+          <a:p>
+            <a:r>
+              <a:rPr lang="en-US" dirty="0" smtClean="0">
+                <a:latin typeface="Consolas"/>
+                <a:cs typeface="Consolas"/>
+              </a:rPr>
+              <a:t>Variety: </a:t>
+            </a:r>
+          </a:p>
+          <a:p>
+            <a:pPr lvl="1"/>
+            <a:r>
+              <a:rPr lang="en-US" dirty="0" smtClean="0">
+                <a:latin typeface="Consolas"/>
+                <a:cs typeface="Consolas"/>
+              </a:rPr>
+              <a:t>Web scraping</a:t>
+            </a:r>
+          </a:p>
+          <a:p>
+            <a:pPr lvl="1"/>
+            <a:r>
+              <a:rPr lang="en-US" dirty="0" smtClean="0">
+                <a:latin typeface="Consolas"/>
+                <a:cs typeface="Consolas"/>
+              </a:rPr>
+              <a:t>Public databases</a:t>
+            </a:r>
+          </a:p>
+          <a:p>
+            <a:pPr lvl="1"/>
+            <a:r>
+              <a:rPr lang="en-US" dirty="0" smtClean="0">
+                <a:latin typeface="Consolas"/>
+                <a:cs typeface="Consolas"/>
+              </a:rPr>
+              <a:t>Private databases: user’s ratings</a:t>
+            </a:r>
+          </a:p>
+          <a:p>
+            <a:pPr lvl="1"/>
+            <a:r>
+              <a:rPr lang="en-US" dirty="0" smtClean="0">
+                <a:latin typeface="Consolas"/>
+                <a:cs typeface="Consolas"/>
+              </a:rPr>
+              <a:t>Movie theater listings</a:t>
+            </a:r>
             <a:endParaRPr lang="en-US" dirty="0" smtClean="0">
               <a:latin typeface="Consolas"/>
               <a:cs typeface="Consolas"/>
@@ -7374,7 +7547,14 @@
             <a:pPr lvl="2"/>
             <a:r>
               <a:rPr lang="en-US" dirty="0" smtClean="0"/>
-              <a:t>Slow: 23+ Minutes </a:t>
+              <a:t>Slow: 23+ Minutes</a:t>
+            </a:r>
+          </a:p>
+          <a:p>
+            <a:pPr lvl="1"/>
+            <a:r>
+              <a:rPr lang="en-US" dirty="0" smtClean="0"/>
+              <a:t>Hidden Data </a:t>
             </a:r>
           </a:p>
           <a:p>
@@ -7693,7 +7873,7 @@
             <a:pPr lvl="1"/>
             <a:r>
               <a:rPr lang="en-US" dirty="0" smtClean="0"/>
-              <a:t>Laptop lacked memory &amp; R</a:t>
+              <a:t>Laptop lacked space &amp; R</a:t>
             </a:r>
           </a:p>
           <a:p>
@@ -8192,14 +8372,19 @@
             <p:ph type="title"/>
           </p:nvPr>
         </p:nvSpPr>
-        <p:spPr/>
+        <p:spPr>
+          <a:xfrm>
+            <a:off x="457199" y="342900"/>
+            <a:ext cx="6508377" cy="1143000"/>
+          </a:xfrm>
+        </p:spPr>
         <p:txBody>
           <a:bodyPr/>
           <a:lstStyle/>
           <a:p>
             <a:r>
               <a:rPr lang="en-US" dirty="0" smtClean="0"/>
-              <a:t>Future Research</a:t>
+              <a:t>Neural Networks</a:t>
             </a:r>
             <a:endParaRPr lang="en-US" dirty="0"/>
           </a:p>
@@ -8215,50 +8400,90 @@
             <p:ph idx="1"/>
           </p:nvPr>
         </p:nvSpPr>
-        <p:spPr/>
+        <p:spPr>
+          <a:xfrm>
+            <a:off x="457199" y="1984022"/>
+            <a:ext cx="6508377" cy="3916363"/>
+          </a:xfrm>
+        </p:spPr>
         <p:txBody>
           <a:bodyPr/>
           <a:lstStyle/>
           <a:p>
+            <a:pPr lvl="1"/>
             <a:r>
               <a:rPr lang="en-US" dirty="0" smtClean="0"/>
-              <a:t>Add data sources</a:t>
-            </a:r>
+              <a:t>Used Python’s </a:t>
+            </a:r>
+            <a:r>
+              <a:rPr lang="en-US" dirty="0" err="1" smtClean="0"/>
+              <a:t>scikit-neuralnetwork</a:t>
+            </a:r>
+            <a:endParaRPr lang="en-US" dirty="0" smtClean="0"/>
           </a:p>
           <a:p>
             <a:pPr lvl="1"/>
             <a:r>
               <a:rPr lang="en-US" dirty="0" smtClean="0"/>
-              <a:t>Add movies that are in theaters</a:t>
-            </a:r>
-          </a:p>
-          <a:p>
-            <a:pPr lvl="1"/>
-            <a:r>
-              <a:rPr lang="en-US" dirty="0" smtClean="0"/>
-              <a:t>Add Amazon ratings</a:t>
-            </a:r>
-          </a:p>
-          <a:p>
-            <a:pPr lvl="1"/>
-            <a:r>
-              <a:rPr lang="en-US" dirty="0" err="1" smtClean="0"/>
-              <a:t>Hulu</a:t>
-            </a:r>
-            <a:r>
-              <a:rPr lang="en-US" dirty="0" smtClean="0"/>
-              <a:t>? Private though</a:t>
-            </a:r>
-          </a:p>
-          <a:p>
-            <a:pPr lvl="1"/>
+              <a:t>Root Mean Square Deviation: 0.00037144</a:t>
+            </a:r>
+          </a:p>
+          <a:p>
+            <a:pPr marL="228600" lvl="1" indent="0">
+              <a:buNone/>
+            </a:pPr>
             <a:endParaRPr lang="en-US" dirty="0"/>
           </a:p>
-          <a:p>
-            <a:endParaRPr lang="en-US" dirty="0"/>
-          </a:p>
-        </p:txBody>
-      </p:sp>
+        </p:txBody>
+      </p:sp>
+      <p:pic>
+        <p:nvPicPr>
+          <p:cNvPr id="5" name="Picture 4"/>
+          <p:cNvPicPr>
+            <a:picLocks noChangeAspect="1"/>
+          </p:cNvPicPr>
+          <p:nvPr/>
+        </p:nvPicPr>
+        <p:blipFill>
+          <a:blip r:embed="rId2"/>
+          <a:stretch>
+            <a:fillRect/>
+          </a:stretch>
+        </p:blipFill>
+        <p:spPr>
+          <a:xfrm>
+            <a:off x="4612696" y="3308345"/>
+            <a:ext cx="4203473" cy="2606153"/>
+          </a:xfrm>
+          <a:prstGeom prst="rect">
+            <a:avLst/>
+          </a:prstGeom>
+        </p:spPr>
+      </p:pic>
+      <p:pic>
+        <p:nvPicPr>
+          <p:cNvPr id="6" name="Picture 5"/>
+          <p:cNvPicPr>
+            <a:picLocks noChangeAspect="1"/>
+          </p:cNvPicPr>
+          <p:nvPr/>
+        </p:nvPicPr>
+        <p:blipFill>
+          <a:blip r:embed="rId3"/>
+          <a:stretch>
+            <a:fillRect/>
+          </a:stretch>
+        </p:blipFill>
+        <p:spPr>
+          <a:xfrm>
+            <a:off x="457199" y="3280123"/>
+            <a:ext cx="3944386" cy="2688968"/>
+          </a:xfrm>
+          <a:prstGeom prst="rect">
+            <a:avLst/>
+          </a:prstGeom>
+        </p:spPr>
+      </p:pic>
     </p:spTree>
     <p:extLst>
       <p:ext uri="{BB962C8B-B14F-4D97-AF65-F5344CB8AC3E}">
@@ -8313,7 +8538,7 @@
           <a:p>
             <a:r>
               <a:rPr lang="en-US" dirty="0" smtClean="0"/>
-              <a:t>Thanks to</a:t>
+              <a:t>Future Research</a:t>
             </a:r>
             <a:endParaRPr lang="en-US" dirty="0"/>
           </a:p>
@@ -8334,9 +8559,41 @@
           <a:bodyPr/>
           <a:lstStyle/>
           <a:p>
-            <a:pPr marL="0" indent="0">
-              <a:buNone/>
-            </a:pPr>
+            <a:r>
+              <a:rPr lang="en-US" dirty="0" smtClean="0"/>
+              <a:t>Add data sources</a:t>
+            </a:r>
+          </a:p>
+          <a:p>
+            <a:pPr lvl="1"/>
+            <a:r>
+              <a:rPr lang="en-US" dirty="0" smtClean="0"/>
+              <a:t>Add movies that are in theaters</a:t>
+            </a:r>
+          </a:p>
+          <a:p>
+            <a:pPr lvl="1"/>
+            <a:r>
+              <a:rPr lang="en-US" dirty="0" smtClean="0"/>
+              <a:t>Add Amazon ratings</a:t>
+            </a:r>
+          </a:p>
+          <a:p>
+            <a:pPr lvl="1"/>
+            <a:r>
+              <a:rPr lang="en-US" dirty="0" err="1" smtClean="0"/>
+              <a:t>Hulu</a:t>
+            </a:r>
+            <a:r>
+              <a:rPr lang="en-US" dirty="0" smtClean="0"/>
+              <a:t>? Private though… like most data  D:</a:t>
+            </a:r>
+          </a:p>
+          <a:p>
+            <a:pPr lvl="1"/>
+            <a:endParaRPr lang="en-US" dirty="0"/>
+          </a:p>
+          <a:p>
             <a:endParaRPr lang="en-US" dirty="0"/>
           </a:p>
         </p:txBody>
@@ -8344,7 +8601,7 @@
     </p:spTree>
     <p:extLst>
       <p:ext uri="{BB962C8B-B14F-4D97-AF65-F5344CB8AC3E}">
-        <p14:creationId xmlns:p14="http://schemas.microsoft.com/office/powerpoint/2010/main" val="2535458016"/>
+        <p14:creationId xmlns:p14="http://schemas.microsoft.com/office/powerpoint/2010/main" val="273905933"/>
       </p:ext>
     </p:extLst>
   </p:cSld>
